--- a/Final Project/liao.pptx
+++ b/Final Project/liao.pptx
@@ -8,6 +8,16 @@
     <p:sldId id="256" r:id="rId2"/>
     <p:sldId id="257" r:id="rId3"/>
     <p:sldId id="258" r:id="rId4"/>
+    <p:sldId id="259" r:id="rId5"/>
+    <p:sldId id="260" r:id="rId6"/>
+    <p:sldId id="261" r:id="rId7"/>
+    <p:sldId id="262" r:id="rId8"/>
+    <p:sldId id="263" r:id="rId9"/>
+    <p:sldId id="264" r:id="rId10"/>
+    <p:sldId id="265" r:id="rId11"/>
+    <p:sldId id="268" r:id="rId12"/>
+    <p:sldId id="266" r:id="rId13"/>
+    <p:sldId id="267" r:id="rId14"/>
   </p:sldIdLst>
   <p:sldSz cx="12192000" cy="6858000"/>
   <p:notesSz cx="6858000" cy="9144000"/>
@@ -106,6 +116,11 @@
       </a:defRPr>
     </a:lvl9pPr>
   </p:defaultTextStyle>
+  <p:extLst>
+    <p:ext uri="{EFAFB233-063F-42B5-8137-9DF3F51BA10A}">
+      <p15:sldGuideLst xmlns:p15="http://schemas.microsoft.com/office/powerpoint/2012/main"/>
+    </p:ext>
+  </p:extLst>
 </p:presentation>
 </file>
 
@@ -440,7 +455,7 @@
           <a:p>
             <a:fld id="{26D97B37-B455-4B73-AFB5-7DDD6ADA2FB5}" type="datetimeFigureOut">
               <a:rPr lang="zh-TW" altLang="en-US" smtClean="0"/>
-              <a:t>2022/1/16</a:t>
+              <a:t>2022/1/20</a:t>
             </a:fld>
             <a:endParaRPr lang="zh-TW" altLang="en-US"/>
           </a:p>
@@ -764,7 +779,7 @@
           <a:p>
             <a:fld id="{26D97B37-B455-4B73-AFB5-7DDD6ADA2FB5}" type="datetimeFigureOut">
               <a:rPr lang="zh-TW" altLang="en-US" smtClean="0"/>
-              <a:t>2022/1/16</a:t>
+              <a:t>2022/1/20</a:t>
             </a:fld>
             <a:endParaRPr lang="zh-TW" altLang="en-US"/>
           </a:p>
@@ -1012,7 +1027,7 @@
           <a:p>
             <a:fld id="{26D97B37-B455-4B73-AFB5-7DDD6ADA2FB5}" type="datetimeFigureOut">
               <a:rPr lang="zh-TW" altLang="en-US" smtClean="0"/>
-              <a:t>2022/1/16</a:t>
+              <a:t>2022/1/20</a:t>
             </a:fld>
             <a:endParaRPr lang="zh-TW" altLang="en-US"/>
           </a:p>
@@ -1351,7 +1366,7 @@
           <a:p>
             <a:fld id="{26D97B37-B455-4B73-AFB5-7DDD6ADA2FB5}" type="datetimeFigureOut">
               <a:rPr lang="zh-TW" altLang="en-US" smtClean="0"/>
-              <a:t>2022/1/16</a:t>
+              <a:t>2022/1/20</a:t>
             </a:fld>
             <a:endParaRPr lang="zh-TW" altLang="en-US"/>
           </a:p>
@@ -1698,7 +1713,7 @@
           <a:p>
             <a:fld id="{26D97B37-B455-4B73-AFB5-7DDD6ADA2FB5}" type="datetimeFigureOut">
               <a:rPr lang="zh-TW" altLang="en-US" smtClean="0"/>
-              <a:t>2022/1/16</a:t>
+              <a:t>2022/1/20</a:t>
             </a:fld>
             <a:endParaRPr lang="zh-TW" altLang="en-US"/>
           </a:p>
@@ -2072,7 +2087,7 @@
           <a:p>
             <a:fld id="{26D97B37-B455-4B73-AFB5-7DDD6ADA2FB5}" type="datetimeFigureOut">
               <a:rPr lang="zh-TW" altLang="en-US" smtClean="0"/>
-              <a:t>2022/1/16</a:t>
+              <a:t>2022/1/20</a:t>
             </a:fld>
             <a:endParaRPr lang="zh-TW" altLang="en-US"/>
           </a:p>
@@ -2542,7 +2557,7 @@
           <a:p>
             <a:fld id="{26D97B37-B455-4B73-AFB5-7DDD6ADA2FB5}" type="datetimeFigureOut">
               <a:rPr lang="zh-TW" altLang="en-US" smtClean="0"/>
-              <a:t>2022/1/16</a:t>
+              <a:t>2022/1/20</a:t>
             </a:fld>
             <a:endParaRPr lang="zh-TW" altLang="en-US"/>
           </a:p>
@@ -2747,7 +2762,7 @@
           <a:p>
             <a:fld id="{26D97B37-B455-4B73-AFB5-7DDD6ADA2FB5}" type="datetimeFigureOut">
               <a:rPr lang="zh-TW" altLang="en-US" smtClean="0"/>
-              <a:t>2022/1/16</a:t>
+              <a:t>2022/1/20</a:t>
             </a:fld>
             <a:endParaRPr lang="zh-TW" altLang="en-US"/>
           </a:p>
@@ -2958,7 +2973,7 @@
           <a:p>
             <a:fld id="{26D97B37-B455-4B73-AFB5-7DDD6ADA2FB5}" type="datetimeFigureOut">
               <a:rPr lang="zh-TW" altLang="en-US" smtClean="0"/>
-              <a:t>2022/1/16</a:t>
+              <a:t>2022/1/20</a:t>
             </a:fld>
             <a:endParaRPr lang="zh-TW" altLang="en-US"/>
           </a:p>
@@ -3190,7 +3205,7 @@
           <a:p>
             <a:fld id="{26D97B37-B455-4B73-AFB5-7DDD6ADA2FB5}" type="datetimeFigureOut">
               <a:rPr lang="zh-TW" altLang="en-US" smtClean="0"/>
-              <a:t>2022/1/16</a:t>
+              <a:t>2022/1/20</a:t>
             </a:fld>
             <a:endParaRPr lang="zh-TW" altLang="en-US"/>
           </a:p>
@@ -3438,7 +3453,7 @@
           <a:p>
             <a:fld id="{26D97B37-B455-4B73-AFB5-7DDD6ADA2FB5}" type="datetimeFigureOut">
               <a:rPr lang="zh-TW" altLang="en-US" smtClean="0"/>
-              <a:t>2022/1/16</a:t>
+              <a:t>2022/1/20</a:t>
             </a:fld>
             <a:endParaRPr lang="zh-TW" altLang="en-US"/>
           </a:p>
@@ -3736,7 +3751,7 @@
           <a:p>
             <a:fld id="{26D97B37-B455-4B73-AFB5-7DDD6ADA2FB5}" type="datetimeFigureOut">
               <a:rPr lang="zh-TW" altLang="en-US" smtClean="0"/>
-              <a:t>2022/1/16</a:t>
+              <a:t>2022/1/20</a:t>
             </a:fld>
             <a:endParaRPr lang="zh-TW" altLang="en-US"/>
           </a:p>
@@ -4130,7 +4145,7 @@
           <a:p>
             <a:fld id="{26D97B37-B455-4B73-AFB5-7DDD6ADA2FB5}" type="datetimeFigureOut">
               <a:rPr lang="zh-TW" altLang="en-US" smtClean="0"/>
-              <a:t>2022/1/16</a:t>
+              <a:t>2022/1/20</a:t>
             </a:fld>
             <a:endParaRPr lang="zh-TW" altLang="en-US"/>
           </a:p>
@@ -4279,7 +4294,7 @@
           <a:p>
             <a:fld id="{26D97B37-B455-4B73-AFB5-7DDD6ADA2FB5}" type="datetimeFigureOut">
               <a:rPr lang="zh-TW" altLang="en-US" smtClean="0"/>
-              <a:t>2022/1/16</a:t>
+              <a:t>2022/1/20</a:t>
             </a:fld>
             <a:endParaRPr lang="zh-TW" altLang="en-US"/>
           </a:p>
@@ -4405,7 +4420,7 @@
           <a:p>
             <a:fld id="{26D97B37-B455-4B73-AFB5-7DDD6ADA2FB5}" type="datetimeFigureOut">
               <a:rPr lang="zh-TW" altLang="en-US" smtClean="0"/>
-              <a:t>2022/1/16</a:t>
+              <a:t>2022/1/20</a:t>
             </a:fld>
             <a:endParaRPr lang="zh-TW" altLang="en-US"/>
           </a:p>
@@ -4660,7 +4675,7 @@
           <a:p>
             <a:fld id="{26D97B37-B455-4B73-AFB5-7DDD6ADA2FB5}" type="datetimeFigureOut">
               <a:rPr lang="zh-TW" altLang="en-US" smtClean="0"/>
-              <a:t>2022/1/16</a:t>
+              <a:t>2022/1/20</a:t>
             </a:fld>
             <a:endParaRPr lang="zh-TW" altLang="en-US"/>
           </a:p>
@@ -4975,7 +4990,7 @@
           <a:p>
             <a:fld id="{26D97B37-B455-4B73-AFB5-7DDD6ADA2FB5}" type="datetimeFigureOut">
               <a:rPr lang="zh-TW" altLang="en-US" smtClean="0"/>
-              <a:t>2022/1/16</a:t>
+              <a:t>2022/1/20</a:t>
             </a:fld>
             <a:endParaRPr lang="zh-TW" altLang="en-US"/>
           </a:p>
@@ -5326,7 +5341,7 @@
           <a:p>
             <a:fld id="{26D97B37-B455-4B73-AFB5-7DDD6ADA2FB5}" type="datetimeFigureOut">
               <a:rPr lang="zh-TW" altLang="en-US" smtClean="0"/>
-              <a:t>2022/1/16</a:t>
+              <a:t>2022/1/20</a:t>
             </a:fld>
             <a:endParaRPr lang="zh-TW" altLang="en-US"/>
           </a:p>
@@ -6006,6 +6021,506 @@
     <p:extLst>
       <p:ext uri="{BB962C8B-B14F-4D97-AF65-F5344CB8AC3E}">
         <p14:creationId xmlns:p14="http://schemas.microsoft.com/office/powerpoint/2010/main" val="1107245574"/>
+      </p:ext>
+    </p:extLst>
+  </p:cSld>
+  <p:clrMapOvr>
+    <a:masterClrMapping/>
+  </p:clrMapOvr>
+</p:sld>
+</file>
+
+<file path=ppt/slides/slide10.xml><?xml version="1.0" encoding="utf-8"?>
+<p:sld xmlns:a="http://schemas.openxmlformats.org/drawingml/2006/main" xmlns:r="http://schemas.openxmlformats.org/officeDocument/2006/relationships" xmlns:p="http://schemas.openxmlformats.org/presentationml/2006/main">
+  <p:cSld>
+    <p:spTree>
+      <p:nvGrpSpPr>
+        <p:cNvPr id="1" name=""/>
+        <p:cNvGrpSpPr/>
+        <p:nvPr/>
+      </p:nvGrpSpPr>
+      <p:grpSpPr>
+        <a:xfrm>
+          <a:off x="0" y="0"/>
+          <a:ext cx="0" cy="0"/>
+          <a:chOff x="0" y="0"/>
+          <a:chExt cx="0" cy="0"/>
+        </a:xfrm>
+      </p:grpSpPr>
+      <p:sp>
+        <p:nvSpPr>
+          <p:cNvPr id="2" name="標題 1">
+            <a:extLst>
+              <a:ext uri="{FF2B5EF4-FFF2-40B4-BE49-F238E27FC236}">
+                <a16:creationId xmlns:a16="http://schemas.microsoft.com/office/drawing/2014/main" id="{7C6F1542-D507-4120-9231-34E6DA04F87B}"/>
+              </a:ext>
+            </a:extLst>
+          </p:cNvPr>
+          <p:cNvSpPr>
+            <a:spLocks noGrp="1"/>
+          </p:cNvSpPr>
+          <p:nvPr>
+            <p:ph type="title"/>
+          </p:nvPr>
+        </p:nvSpPr>
+        <p:spPr/>
+        <p:txBody>
+          <a:bodyPr/>
+          <a:lstStyle/>
+          <a:p>
+            <a:r>
+              <a:rPr lang="en-US" altLang="zh-TW" dirty="0"/>
+              <a:t>How the details are implemented</a:t>
+            </a:r>
+            <a:endParaRPr lang="zh-TW" altLang="en-US" dirty="0"/>
+          </a:p>
+        </p:txBody>
+      </p:sp>
+      <p:sp>
+        <p:nvSpPr>
+          <p:cNvPr id="3" name="內容版面配置區 2">
+            <a:extLst>
+              <a:ext uri="{FF2B5EF4-FFF2-40B4-BE49-F238E27FC236}">
+                <a16:creationId xmlns:a16="http://schemas.microsoft.com/office/drawing/2014/main" id="{AC938E96-908D-404B-8EF3-CD9393C9D66C}"/>
+              </a:ext>
+            </a:extLst>
+          </p:cNvPr>
+          <p:cNvSpPr>
+            <a:spLocks noGrp="1"/>
+          </p:cNvSpPr>
+          <p:nvPr>
+            <p:ph idx="1"/>
+          </p:nvPr>
+        </p:nvSpPr>
+        <p:spPr/>
+        <p:txBody>
+          <a:bodyPr/>
+          <a:lstStyle/>
+          <a:p>
+            <a:r>
+              <a:rPr lang="en-US" altLang="zh-TW" dirty="0"/>
+              <a:t>When the room is being used</a:t>
+            </a:r>
+          </a:p>
+          <a:p>
+            <a:pPr lvl="1"/>
+            <a:r>
+              <a:rPr lang="en-US" altLang="zh-TW" dirty="0"/>
+              <a:t>Show "in use" on UI</a:t>
+            </a:r>
+          </a:p>
+          <a:p>
+            <a:r>
+              <a:rPr lang="en-US" altLang="zh-TW" dirty="0"/>
+              <a:t>The "My meeting" interface will display all the meetings of the user</a:t>
+            </a:r>
+          </a:p>
+          <a:p>
+            <a:pPr lvl="1"/>
+            <a:r>
+              <a:rPr lang="en-US" altLang="zh-TW" dirty="0"/>
+              <a:t>Most recent to oldest</a:t>
+            </a:r>
+          </a:p>
+          <a:p>
+            <a:pPr lvl="1"/>
+            <a:r>
+              <a:rPr lang="en-US" altLang="zh-TW" dirty="0"/>
+              <a:t>Display meeting name, room name, time period</a:t>
+            </a:r>
+            <a:endParaRPr lang="zh-TW" altLang="en-US" dirty="0"/>
+          </a:p>
+        </p:txBody>
+      </p:sp>
+    </p:spTree>
+    <p:extLst>
+      <p:ext uri="{BB962C8B-B14F-4D97-AF65-F5344CB8AC3E}">
+        <p14:creationId xmlns:p14="http://schemas.microsoft.com/office/powerpoint/2010/main" val="3448764007"/>
+      </p:ext>
+    </p:extLst>
+  </p:cSld>
+  <p:clrMapOvr>
+    <a:masterClrMapping/>
+  </p:clrMapOvr>
+</p:sld>
+</file>
+
+<file path=ppt/slides/slide11.xml><?xml version="1.0" encoding="utf-8"?>
+<p:sld xmlns:a="http://schemas.openxmlformats.org/drawingml/2006/main" xmlns:r="http://schemas.openxmlformats.org/officeDocument/2006/relationships" xmlns:p="http://schemas.openxmlformats.org/presentationml/2006/main">
+  <p:cSld>
+    <p:spTree>
+      <p:nvGrpSpPr>
+        <p:cNvPr id="1" name=""/>
+        <p:cNvGrpSpPr/>
+        <p:nvPr/>
+      </p:nvGrpSpPr>
+      <p:grpSpPr>
+        <a:xfrm>
+          <a:off x="0" y="0"/>
+          <a:ext cx="0" cy="0"/>
+          <a:chOff x="0" y="0"/>
+          <a:chExt cx="0" cy="0"/>
+        </a:xfrm>
+      </p:grpSpPr>
+      <p:sp>
+        <p:nvSpPr>
+          <p:cNvPr id="2" name="標題 1">
+            <a:extLst>
+              <a:ext uri="{FF2B5EF4-FFF2-40B4-BE49-F238E27FC236}">
+                <a16:creationId xmlns:a16="http://schemas.microsoft.com/office/drawing/2014/main" id="{7C6F1542-D507-4120-9231-34E6DA04F87B}"/>
+              </a:ext>
+            </a:extLst>
+          </p:cNvPr>
+          <p:cNvSpPr>
+            <a:spLocks noGrp="1"/>
+          </p:cNvSpPr>
+          <p:nvPr>
+            <p:ph type="title"/>
+          </p:nvPr>
+        </p:nvSpPr>
+        <p:spPr/>
+        <p:txBody>
+          <a:bodyPr/>
+          <a:lstStyle/>
+          <a:p>
+            <a:r>
+              <a:rPr lang="en-US" altLang="zh-TW" dirty="0"/>
+              <a:t>How the details are implemented</a:t>
+            </a:r>
+            <a:endParaRPr lang="zh-TW" altLang="en-US" dirty="0"/>
+          </a:p>
+        </p:txBody>
+      </p:sp>
+      <p:sp>
+        <p:nvSpPr>
+          <p:cNvPr id="3" name="內容版面配置區 2">
+            <a:extLst>
+              <a:ext uri="{FF2B5EF4-FFF2-40B4-BE49-F238E27FC236}">
+                <a16:creationId xmlns:a16="http://schemas.microsoft.com/office/drawing/2014/main" id="{AC938E96-908D-404B-8EF3-CD9393C9D66C}"/>
+              </a:ext>
+            </a:extLst>
+          </p:cNvPr>
+          <p:cNvSpPr>
+            <a:spLocks noGrp="1"/>
+          </p:cNvSpPr>
+          <p:nvPr>
+            <p:ph idx="1"/>
+          </p:nvPr>
+        </p:nvSpPr>
+        <p:spPr/>
+        <p:txBody>
+          <a:bodyPr/>
+          <a:lstStyle/>
+          <a:p>
+            <a:r>
+              <a:rPr lang="en-US" altLang="zh-TW" dirty="0"/>
+              <a:t>When the meeting is deleted :</a:t>
+            </a:r>
+          </a:p>
+          <a:p>
+            <a:pPr lvl="1"/>
+            <a:r>
+              <a:rPr lang="en-US" altLang="zh-TW" dirty="0"/>
+              <a:t>Delete meeting to attendees using google calendar </a:t>
+            </a:r>
+            <a:r>
+              <a:rPr lang="en-US" altLang="zh-TW" dirty="0" err="1"/>
+              <a:t>api</a:t>
+            </a:r>
+            <a:endParaRPr lang="en-US" altLang="zh-TW" dirty="0"/>
+          </a:p>
+          <a:p>
+            <a:pPr lvl="1"/>
+            <a:r>
+              <a:rPr lang="en-US" altLang="zh-TW" dirty="0"/>
+              <a:t>Google calendar will send email to participants</a:t>
+            </a:r>
+          </a:p>
+          <a:p>
+            <a:pPr lvl="1"/>
+            <a:r>
+              <a:rPr lang="en-US" altLang="zh-TW" dirty="0"/>
+              <a:t>Delete meeting from database</a:t>
+            </a:r>
+          </a:p>
+          <a:p>
+            <a:pPr lvl="1"/>
+            <a:r>
+              <a:rPr lang="en-US" altLang="zh-TW" dirty="0"/>
+              <a:t>Delete new </a:t>
+            </a:r>
+            <a:r>
+              <a:rPr lang="en-US" altLang="zh-TW"/>
+              <a:t>meeting from timeline</a:t>
+            </a:r>
+            <a:endParaRPr lang="en-US" altLang="zh-TW" dirty="0"/>
+          </a:p>
+          <a:p>
+            <a:pPr lvl="1"/>
+            <a:endParaRPr lang="en-US" altLang="zh-TW" dirty="0"/>
+          </a:p>
+          <a:p>
+            <a:pPr lvl="1"/>
+            <a:endParaRPr lang="en-US" altLang="zh-TW" dirty="0"/>
+          </a:p>
+          <a:p>
+            <a:endParaRPr lang="en-US" altLang="zh-TW" dirty="0"/>
+          </a:p>
+          <a:p>
+            <a:pPr lvl="1"/>
+            <a:endParaRPr lang="zh-TW" altLang="en-US" dirty="0"/>
+          </a:p>
+        </p:txBody>
+      </p:sp>
+    </p:spTree>
+    <p:extLst>
+      <p:ext uri="{BB962C8B-B14F-4D97-AF65-F5344CB8AC3E}">
+        <p14:creationId xmlns:p14="http://schemas.microsoft.com/office/powerpoint/2010/main" val="3162042088"/>
+      </p:ext>
+    </p:extLst>
+  </p:cSld>
+  <p:clrMapOvr>
+    <a:masterClrMapping/>
+  </p:clrMapOvr>
+</p:sld>
+</file>
+
+<file path=ppt/slides/slide12.xml><?xml version="1.0" encoding="utf-8"?>
+<p:sld xmlns:a="http://schemas.openxmlformats.org/drawingml/2006/main" xmlns:r="http://schemas.openxmlformats.org/officeDocument/2006/relationships" xmlns:p="http://schemas.openxmlformats.org/presentationml/2006/main">
+  <p:cSld>
+    <p:spTree>
+      <p:nvGrpSpPr>
+        <p:cNvPr id="1" name=""/>
+        <p:cNvGrpSpPr/>
+        <p:nvPr/>
+      </p:nvGrpSpPr>
+      <p:grpSpPr>
+        <a:xfrm>
+          <a:off x="0" y="0"/>
+          <a:ext cx="0" cy="0"/>
+          <a:chOff x="0" y="0"/>
+          <a:chExt cx="0" cy="0"/>
+        </a:xfrm>
+      </p:grpSpPr>
+      <p:sp>
+        <p:nvSpPr>
+          <p:cNvPr id="2" name="標題 1">
+            <a:extLst>
+              <a:ext uri="{FF2B5EF4-FFF2-40B4-BE49-F238E27FC236}">
+                <a16:creationId xmlns:a16="http://schemas.microsoft.com/office/drawing/2014/main" id="{7C6F1542-D507-4120-9231-34E6DA04F87B}"/>
+              </a:ext>
+            </a:extLst>
+          </p:cNvPr>
+          <p:cNvSpPr>
+            <a:spLocks noGrp="1"/>
+          </p:cNvSpPr>
+          <p:nvPr>
+            <p:ph type="title"/>
+          </p:nvPr>
+        </p:nvSpPr>
+        <p:spPr/>
+        <p:txBody>
+          <a:bodyPr/>
+          <a:lstStyle/>
+          <a:p>
+            <a:r>
+              <a:rPr lang="en-US" altLang="zh-TW" dirty="0"/>
+              <a:t>How the details are implemented</a:t>
+            </a:r>
+            <a:endParaRPr lang="zh-TW" altLang="en-US" dirty="0"/>
+          </a:p>
+        </p:txBody>
+      </p:sp>
+      <p:sp>
+        <p:nvSpPr>
+          <p:cNvPr id="3" name="內容版面配置區 2">
+            <a:extLst>
+              <a:ext uri="{FF2B5EF4-FFF2-40B4-BE49-F238E27FC236}">
+                <a16:creationId xmlns:a16="http://schemas.microsoft.com/office/drawing/2014/main" id="{AC938E96-908D-404B-8EF3-CD9393C9D66C}"/>
+              </a:ext>
+            </a:extLst>
+          </p:cNvPr>
+          <p:cNvSpPr>
+            <a:spLocks noGrp="1"/>
+          </p:cNvSpPr>
+          <p:nvPr>
+            <p:ph idx="1"/>
+          </p:nvPr>
+        </p:nvSpPr>
+        <p:spPr/>
+        <p:txBody>
+          <a:bodyPr/>
+          <a:lstStyle/>
+          <a:p>
+            <a:r>
+              <a:rPr lang="en-US" altLang="zh-TW" dirty="0"/>
+              <a:t>User interface can :</a:t>
+            </a:r>
+          </a:p>
+          <a:p>
+            <a:pPr lvl="1"/>
+            <a:r>
+              <a:rPr lang="en-US" altLang="zh-TW" dirty="0"/>
+              <a:t>Sign in, Log in and log out of the system</a:t>
+            </a:r>
+          </a:p>
+          <a:p>
+            <a:pPr lvl="1"/>
+            <a:r>
+              <a:rPr lang="en-US" altLang="zh-TW" dirty="0"/>
+              <a:t>Add, delete, edit rooms</a:t>
+            </a:r>
+          </a:p>
+          <a:p>
+            <a:pPr lvl="1"/>
+            <a:r>
+              <a:rPr lang="en-US" altLang="zh-TW" dirty="0"/>
+              <a:t>Add, delete, edit meetings</a:t>
+            </a:r>
+          </a:p>
+          <a:p>
+            <a:pPr lvl="1"/>
+            <a:r>
+              <a:rPr lang="en-US" altLang="zh-TW" dirty="0"/>
+              <a:t>Show all meetings of the user</a:t>
+            </a:r>
+            <a:endParaRPr lang="zh-TW" altLang="en-US" dirty="0"/>
+          </a:p>
+        </p:txBody>
+      </p:sp>
+    </p:spTree>
+    <p:extLst>
+      <p:ext uri="{BB962C8B-B14F-4D97-AF65-F5344CB8AC3E}">
+        <p14:creationId xmlns:p14="http://schemas.microsoft.com/office/powerpoint/2010/main" val="3613108366"/>
+      </p:ext>
+    </p:extLst>
+  </p:cSld>
+  <p:clrMapOvr>
+    <a:masterClrMapping/>
+  </p:clrMapOvr>
+</p:sld>
+</file>
+
+<file path=ppt/slides/slide13.xml><?xml version="1.0" encoding="utf-8"?>
+<p:sld xmlns:a="http://schemas.openxmlformats.org/drawingml/2006/main" xmlns:r="http://schemas.openxmlformats.org/officeDocument/2006/relationships" xmlns:p="http://schemas.openxmlformats.org/presentationml/2006/main">
+  <p:cSld>
+    <p:spTree>
+      <p:nvGrpSpPr>
+        <p:cNvPr id="1" name=""/>
+        <p:cNvGrpSpPr/>
+        <p:nvPr/>
+      </p:nvGrpSpPr>
+      <p:grpSpPr>
+        <a:xfrm>
+          <a:off x="0" y="0"/>
+          <a:ext cx="0" cy="0"/>
+          <a:chOff x="0" y="0"/>
+          <a:chExt cx="0" cy="0"/>
+        </a:xfrm>
+      </p:grpSpPr>
+      <p:sp>
+        <p:nvSpPr>
+          <p:cNvPr id="2" name="標題 1">
+            <a:extLst>
+              <a:ext uri="{FF2B5EF4-FFF2-40B4-BE49-F238E27FC236}">
+                <a16:creationId xmlns:a16="http://schemas.microsoft.com/office/drawing/2014/main" id="{7C6F1542-D507-4120-9231-34E6DA04F87B}"/>
+              </a:ext>
+            </a:extLst>
+          </p:cNvPr>
+          <p:cNvSpPr>
+            <a:spLocks noGrp="1"/>
+          </p:cNvSpPr>
+          <p:nvPr>
+            <p:ph type="title"/>
+          </p:nvPr>
+        </p:nvSpPr>
+        <p:spPr/>
+        <p:txBody>
+          <a:bodyPr/>
+          <a:lstStyle/>
+          <a:p>
+            <a:r>
+              <a:rPr lang="en-US" altLang="zh-TW" dirty="0"/>
+              <a:t>What information can be edited</a:t>
+            </a:r>
+            <a:endParaRPr lang="zh-TW" altLang="en-US" dirty="0"/>
+          </a:p>
+        </p:txBody>
+      </p:sp>
+      <p:sp>
+        <p:nvSpPr>
+          <p:cNvPr id="3" name="內容版面配置區 2">
+            <a:extLst>
+              <a:ext uri="{FF2B5EF4-FFF2-40B4-BE49-F238E27FC236}">
+                <a16:creationId xmlns:a16="http://schemas.microsoft.com/office/drawing/2014/main" id="{AC938E96-908D-404B-8EF3-CD9393C9D66C}"/>
+              </a:ext>
+            </a:extLst>
+          </p:cNvPr>
+          <p:cNvSpPr>
+            <a:spLocks noGrp="1"/>
+          </p:cNvSpPr>
+          <p:nvPr>
+            <p:ph idx="1"/>
+          </p:nvPr>
+        </p:nvSpPr>
+        <p:spPr/>
+        <p:txBody>
+          <a:bodyPr/>
+          <a:lstStyle/>
+          <a:p>
+            <a:r>
+              <a:rPr lang="en-US" altLang="zh-TW" dirty="0"/>
+              <a:t>Room :</a:t>
+            </a:r>
+          </a:p>
+          <a:p>
+            <a:pPr lvl="1"/>
+            <a:r>
+              <a:rPr lang="en-US" altLang="zh-TW" dirty="0"/>
+              <a:t>Name</a:t>
+            </a:r>
+          </a:p>
+          <a:p>
+            <a:r>
+              <a:rPr lang="en-US" altLang="zh-TW" dirty="0"/>
+              <a:t>Meeting :</a:t>
+            </a:r>
+          </a:p>
+          <a:p>
+            <a:pPr lvl="1"/>
+            <a:r>
+              <a:rPr lang="en-US" altLang="zh-TW" dirty="0"/>
+              <a:t>Title</a:t>
+            </a:r>
+          </a:p>
+          <a:p>
+            <a:pPr lvl="1"/>
+            <a:r>
+              <a:rPr lang="en-US" altLang="zh-TW" dirty="0"/>
+              <a:t>Participants</a:t>
+            </a:r>
+          </a:p>
+          <a:p>
+            <a:pPr lvl="1"/>
+            <a:r>
+              <a:rPr lang="en-US" altLang="zh-TW" dirty="0"/>
+              <a:t>Description</a:t>
+            </a:r>
+          </a:p>
+          <a:p>
+            <a:pPr lvl="1"/>
+            <a:r>
+              <a:rPr lang="en-US" altLang="zh-TW" dirty="0"/>
+              <a:t>Time period</a:t>
+            </a:r>
+            <a:endParaRPr lang="zh-TW" altLang="en-US" dirty="0"/>
+          </a:p>
+        </p:txBody>
+      </p:sp>
+    </p:spTree>
+    <p:extLst>
+      <p:ext uri="{BB962C8B-B14F-4D97-AF65-F5344CB8AC3E}">
+        <p14:creationId xmlns:p14="http://schemas.microsoft.com/office/powerpoint/2010/main" val="1648314269"/>
       </p:ext>
     </p:extLst>
   </p:cSld>
@@ -7060,7 +7575,15 @@
           <a:bodyPr/>
           <a:lstStyle/>
           <a:p>
-            <a:endParaRPr lang="zh-TW" altLang="en-US"/>
+            <a:r>
+              <a:rPr lang="en-US" altLang="zh-TW" dirty="0"/>
+              <a:t>What is </a:t>
+            </a:r>
+            <a:r>
+              <a:rPr lang="en-US" altLang="zh-TW" dirty="0" err="1"/>
+              <a:t>BookSystem</a:t>
+            </a:r>
+            <a:endParaRPr lang="zh-TW" altLang="en-US" dirty="0"/>
           </a:p>
         </p:txBody>
       </p:sp>
@@ -7085,7 +7608,35 @@
           <a:bodyPr/>
           <a:lstStyle/>
           <a:p>
-            <a:endParaRPr lang="zh-TW" altLang="en-US"/>
+            <a:r>
+              <a:rPr lang="en-US" altLang="zh-TW" dirty="0"/>
+              <a:t>An assistance system designed for rooms, meetings and people</a:t>
+            </a:r>
+          </a:p>
+          <a:p>
+            <a:r>
+              <a:rPr lang="en-US" altLang="zh-TW" dirty="0"/>
+              <a:t>Multiuser, multitasking systems</a:t>
+            </a:r>
+          </a:p>
+          <a:p>
+            <a:r>
+              <a:rPr lang="en-US" altLang="zh-TW" dirty="0"/>
+              <a:t>Provides user interface operation</a:t>
+            </a:r>
+          </a:p>
+          <a:p>
+            <a:r>
+              <a:rPr lang="en-US" altLang="zh-TW" dirty="0"/>
+              <a:t>Integrate with third party service (google calendar)</a:t>
+            </a:r>
+          </a:p>
+          <a:p>
+            <a:r>
+              <a:rPr lang="en-US" altLang="zh-TW" dirty="0"/>
+              <a:t>System information is stored in the database</a:t>
+            </a:r>
+            <a:endParaRPr lang="zh-TW" altLang="en-US" dirty="0"/>
           </a:p>
         </p:txBody>
       </p:sp>
@@ -7093,6 +7644,764 @@
     <p:extLst>
       <p:ext uri="{BB962C8B-B14F-4D97-AF65-F5344CB8AC3E}">
         <p14:creationId xmlns:p14="http://schemas.microsoft.com/office/powerpoint/2010/main" val="1897316723"/>
+      </p:ext>
+    </p:extLst>
+  </p:cSld>
+  <p:clrMapOvr>
+    <a:masterClrMapping/>
+  </p:clrMapOvr>
+</p:sld>
+</file>
+
+<file path=ppt/slides/slide4.xml><?xml version="1.0" encoding="utf-8"?>
+<p:sld xmlns:a="http://schemas.openxmlformats.org/drawingml/2006/main" xmlns:r="http://schemas.openxmlformats.org/officeDocument/2006/relationships" xmlns:p="http://schemas.openxmlformats.org/presentationml/2006/main">
+  <p:cSld>
+    <p:spTree>
+      <p:nvGrpSpPr>
+        <p:cNvPr id="1" name=""/>
+        <p:cNvGrpSpPr/>
+        <p:nvPr/>
+      </p:nvGrpSpPr>
+      <p:grpSpPr>
+        <a:xfrm>
+          <a:off x="0" y="0"/>
+          <a:ext cx="0" cy="0"/>
+          <a:chOff x="0" y="0"/>
+          <a:chExt cx="0" cy="0"/>
+        </a:xfrm>
+      </p:grpSpPr>
+      <p:sp>
+        <p:nvSpPr>
+          <p:cNvPr id="2" name="標題 1">
+            <a:extLst>
+              <a:ext uri="{FF2B5EF4-FFF2-40B4-BE49-F238E27FC236}">
+                <a16:creationId xmlns:a16="http://schemas.microsoft.com/office/drawing/2014/main" id="{E3170E9A-8059-4FBC-99C5-BA376DDDCFD1}"/>
+              </a:ext>
+            </a:extLst>
+          </p:cNvPr>
+          <p:cNvSpPr>
+            <a:spLocks noGrp="1"/>
+          </p:cNvSpPr>
+          <p:nvPr>
+            <p:ph type="title"/>
+          </p:nvPr>
+        </p:nvSpPr>
+        <p:spPr/>
+        <p:txBody>
+          <a:bodyPr/>
+          <a:lstStyle/>
+          <a:p>
+            <a:r>
+              <a:rPr lang="en-US" altLang="zh-TW" dirty="0"/>
+              <a:t>The Goal of </a:t>
+            </a:r>
+            <a:r>
+              <a:rPr lang="en-US" altLang="zh-TW" dirty="0" err="1"/>
+              <a:t>BookSystem</a:t>
+            </a:r>
+            <a:endParaRPr lang="zh-TW" altLang="en-US" dirty="0"/>
+          </a:p>
+        </p:txBody>
+      </p:sp>
+      <p:sp>
+        <p:nvSpPr>
+          <p:cNvPr id="3" name="內容版面配置區 2">
+            <a:extLst>
+              <a:ext uri="{FF2B5EF4-FFF2-40B4-BE49-F238E27FC236}">
+                <a16:creationId xmlns:a16="http://schemas.microsoft.com/office/drawing/2014/main" id="{DFCD2BD0-9622-46A2-B1D5-27E1B3217EB4}"/>
+              </a:ext>
+            </a:extLst>
+          </p:cNvPr>
+          <p:cNvSpPr>
+            <a:spLocks noGrp="1"/>
+          </p:cNvSpPr>
+          <p:nvPr>
+            <p:ph idx="1"/>
+          </p:nvPr>
+        </p:nvSpPr>
+        <p:spPr/>
+        <p:txBody>
+          <a:bodyPr/>
+          <a:lstStyle/>
+          <a:p>
+            <a:r>
+              <a:rPr lang="en-US" altLang="zh-TW" dirty="0"/>
+              <a:t>Avoid multiple meetings in one room at the same time </a:t>
+            </a:r>
+          </a:p>
+          <a:p>
+            <a:r>
+              <a:rPr lang="en-US" altLang="zh-TW" dirty="0"/>
+              <a:t>Prevent users from participating in multiple meetings at the same time</a:t>
+            </a:r>
+          </a:p>
+          <a:p>
+            <a:r>
+              <a:rPr lang="en-US" altLang="zh-TW" dirty="0"/>
+              <a:t>Remind attendees to join the meeting</a:t>
+            </a:r>
+          </a:p>
+          <a:p>
+            <a:r>
+              <a:rPr lang="en-US" altLang="zh-TW" dirty="0"/>
+              <a:t>Makes the process of booking meetings easier and faster</a:t>
+            </a:r>
+          </a:p>
+          <a:p>
+            <a:r>
+              <a:rPr lang="en-US" altLang="zh-TW" dirty="0"/>
+              <a:t>A common platform for everyone to access</a:t>
+            </a:r>
+            <a:endParaRPr lang="zh-TW" altLang="en-US" dirty="0"/>
+          </a:p>
+        </p:txBody>
+      </p:sp>
+    </p:spTree>
+    <p:extLst>
+      <p:ext uri="{BB962C8B-B14F-4D97-AF65-F5344CB8AC3E}">
+        <p14:creationId xmlns:p14="http://schemas.microsoft.com/office/powerpoint/2010/main" val="4057093586"/>
+      </p:ext>
+    </p:extLst>
+  </p:cSld>
+  <p:clrMapOvr>
+    <a:masterClrMapping/>
+  </p:clrMapOvr>
+</p:sld>
+</file>
+
+<file path=ppt/slides/slide5.xml><?xml version="1.0" encoding="utf-8"?>
+<p:sld xmlns:a="http://schemas.openxmlformats.org/drawingml/2006/main" xmlns:r="http://schemas.openxmlformats.org/officeDocument/2006/relationships" xmlns:p="http://schemas.openxmlformats.org/presentationml/2006/main">
+  <p:cSld>
+    <p:spTree>
+      <p:nvGrpSpPr>
+        <p:cNvPr id="1" name=""/>
+        <p:cNvGrpSpPr/>
+        <p:nvPr/>
+      </p:nvGrpSpPr>
+      <p:grpSpPr>
+        <a:xfrm>
+          <a:off x="0" y="0"/>
+          <a:ext cx="0" cy="0"/>
+          <a:chOff x="0" y="0"/>
+          <a:chExt cx="0" cy="0"/>
+        </a:xfrm>
+      </p:grpSpPr>
+      <p:sp>
+        <p:nvSpPr>
+          <p:cNvPr id="2" name="標題 1">
+            <a:extLst>
+              <a:ext uri="{FF2B5EF4-FFF2-40B4-BE49-F238E27FC236}">
+                <a16:creationId xmlns:a16="http://schemas.microsoft.com/office/drawing/2014/main" id="{F770325D-53C9-4D9F-A206-39E38281C875}"/>
+              </a:ext>
+            </a:extLst>
+          </p:cNvPr>
+          <p:cNvSpPr>
+            <a:spLocks noGrp="1"/>
+          </p:cNvSpPr>
+          <p:nvPr>
+            <p:ph type="title"/>
+          </p:nvPr>
+        </p:nvSpPr>
+        <p:spPr/>
+        <p:txBody>
+          <a:bodyPr/>
+          <a:lstStyle/>
+          <a:p>
+            <a:r>
+              <a:rPr lang="en-US" altLang="zh-TW" dirty="0"/>
+              <a:t>Why choose </a:t>
+            </a:r>
+            <a:r>
+              <a:rPr lang="en-US" altLang="zh-TW" dirty="0" err="1"/>
+              <a:t>BookSystem</a:t>
+            </a:r>
+            <a:endParaRPr lang="zh-TW" altLang="en-US" dirty="0"/>
+          </a:p>
+        </p:txBody>
+      </p:sp>
+      <p:sp>
+        <p:nvSpPr>
+          <p:cNvPr id="3" name="內容版面配置區 2">
+            <a:extLst>
+              <a:ext uri="{FF2B5EF4-FFF2-40B4-BE49-F238E27FC236}">
+                <a16:creationId xmlns:a16="http://schemas.microsoft.com/office/drawing/2014/main" id="{FDA9B053-5AF8-476A-8671-083F235E050C}"/>
+              </a:ext>
+            </a:extLst>
+          </p:cNvPr>
+          <p:cNvSpPr>
+            <a:spLocks noGrp="1"/>
+          </p:cNvSpPr>
+          <p:nvPr>
+            <p:ph idx="1"/>
+          </p:nvPr>
+        </p:nvSpPr>
+        <p:spPr/>
+        <p:txBody>
+          <a:bodyPr/>
+          <a:lstStyle/>
+          <a:p>
+            <a:r>
+              <a:rPr lang="en-US" altLang="zh-TW" dirty="0"/>
+              <a:t>Stable and reliable system</a:t>
+            </a:r>
+          </a:p>
+          <a:p>
+            <a:r>
+              <a:rPr lang="en-US" altLang="zh-TW" dirty="0"/>
+              <a:t>Strong customizability</a:t>
+            </a:r>
+          </a:p>
+          <a:p>
+            <a:r>
+              <a:rPr lang="en-US" altLang="zh-TW" dirty="0"/>
+              <a:t>User friendly UI</a:t>
+            </a:r>
+          </a:p>
+          <a:p>
+            <a:r>
+              <a:rPr lang="en-US" altLang="zh-TW" dirty="0"/>
+              <a:t>Allow multiple people to edit information at the same time</a:t>
+            </a:r>
+          </a:p>
+          <a:p>
+            <a:r>
+              <a:rPr lang="en-US" altLang="zh-TW" dirty="0"/>
+              <a:t>Not limited to local area network</a:t>
+            </a:r>
+          </a:p>
+          <a:p>
+            <a:r>
+              <a:rPr lang="en-US" altLang="zh-TW" dirty="0"/>
+              <a:t>Login management subsystem</a:t>
+            </a:r>
+          </a:p>
+          <a:p>
+            <a:endParaRPr lang="en-US" altLang="zh-TW" dirty="0"/>
+          </a:p>
+          <a:p>
+            <a:endParaRPr lang="zh-TW" altLang="en-US" dirty="0"/>
+          </a:p>
+        </p:txBody>
+      </p:sp>
+    </p:spTree>
+    <p:extLst>
+      <p:ext uri="{BB962C8B-B14F-4D97-AF65-F5344CB8AC3E}">
+        <p14:creationId xmlns:p14="http://schemas.microsoft.com/office/powerpoint/2010/main" val="2661755586"/>
+      </p:ext>
+    </p:extLst>
+  </p:cSld>
+  <p:clrMapOvr>
+    <a:masterClrMapping/>
+  </p:clrMapOvr>
+</p:sld>
+</file>
+
+<file path=ppt/slides/slide6.xml><?xml version="1.0" encoding="utf-8"?>
+<p:sld xmlns:a="http://schemas.openxmlformats.org/drawingml/2006/main" xmlns:r="http://schemas.openxmlformats.org/officeDocument/2006/relationships" xmlns:p="http://schemas.openxmlformats.org/presentationml/2006/main">
+  <p:cSld>
+    <p:spTree>
+      <p:nvGrpSpPr>
+        <p:cNvPr id="1" name=""/>
+        <p:cNvGrpSpPr/>
+        <p:nvPr/>
+      </p:nvGrpSpPr>
+      <p:grpSpPr>
+        <a:xfrm>
+          <a:off x="0" y="0"/>
+          <a:ext cx="0" cy="0"/>
+          <a:chOff x="0" y="0"/>
+          <a:chExt cx="0" cy="0"/>
+        </a:xfrm>
+      </p:grpSpPr>
+      <p:sp>
+        <p:nvSpPr>
+          <p:cNvPr id="2" name="標題 1">
+            <a:extLst>
+              <a:ext uri="{FF2B5EF4-FFF2-40B4-BE49-F238E27FC236}">
+                <a16:creationId xmlns:a16="http://schemas.microsoft.com/office/drawing/2014/main" id="{A9E29E13-78AC-43B4-B1B7-B04542968B55}"/>
+              </a:ext>
+            </a:extLst>
+          </p:cNvPr>
+          <p:cNvSpPr>
+            <a:spLocks noGrp="1"/>
+          </p:cNvSpPr>
+          <p:nvPr>
+            <p:ph type="title"/>
+          </p:nvPr>
+        </p:nvSpPr>
+        <p:spPr/>
+        <p:txBody>
+          <a:bodyPr/>
+          <a:lstStyle/>
+          <a:p>
+            <a:r>
+              <a:rPr lang="en-US" altLang="zh-TW" dirty="0"/>
+              <a:t>How </a:t>
+            </a:r>
+            <a:r>
+              <a:rPr lang="en-US" altLang="zh-TW" dirty="0" err="1"/>
+              <a:t>BookSystem</a:t>
+            </a:r>
+            <a:r>
+              <a:rPr lang="en-US" altLang="zh-TW" dirty="0"/>
+              <a:t> work</a:t>
+            </a:r>
+            <a:endParaRPr lang="zh-TW" altLang="en-US" dirty="0"/>
+          </a:p>
+        </p:txBody>
+      </p:sp>
+      <p:sp>
+        <p:nvSpPr>
+          <p:cNvPr id="3" name="內容版面配置區 2">
+            <a:extLst>
+              <a:ext uri="{FF2B5EF4-FFF2-40B4-BE49-F238E27FC236}">
+                <a16:creationId xmlns:a16="http://schemas.microsoft.com/office/drawing/2014/main" id="{6701B6C6-1322-42DA-A2F7-703A2B86FBE5}"/>
+              </a:ext>
+            </a:extLst>
+          </p:cNvPr>
+          <p:cNvSpPr>
+            <a:spLocks noGrp="1"/>
+          </p:cNvSpPr>
+          <p:nvPr>
+            <p:ph idx="1"/>
+          </p:nvPr>
+        </p:nvSpPr>
+        <p:spPr/>
+        <p:txBody>
+          <a:bodyPr/>
+          <a:lstStyle/>
+          <a:p>
+            <a:r>
+              <a:rPr lang="en-US" altLang="zh-TW" dirty="0" err="1"/>
+              <a:t>BookSystem</a:t>
+            </a:r>
+            <a:r>
+              <a:rPr lang="en-US" altLang="zh-TW" dirty="0"/>
+              <a:t> can be roughly divided into four subsystems</a:t>
+            </a:r>
+          </a:p>
+          <a:p>
+            <a:pPr lvl="1"/>
+            <a:r>
+              <a:rPr lang="en-US" altLang="zh-TW" dirty="0"/>
+              <a:t>Core</a:t>
+            </a:r>
+          </a:p>
+          <a:p>
+            <a:pPr lvl="1"/>
+            <a:r>
+              <a:rPr lang="en-US" altLang="zh-TW" dirty="0"/>
+              <a:t>Database</a:t>
+            </a:r>
+          </a:p>
+          <a:p>
+            <a:pPr lvl="1"/>
+            <a:r>
+              <a:rPr lang="en-US" altLang="zh-TW" dirty="0"/>
+              <a:t>User interface</a:t>
+            </a:r>
+          </a:p>
+          <a:p>
+            <a:pPr lvl="1"/>
+            <a:r>
+              <a:rPr lang="en-US" altLang="zh-TW" dirty="0"/>
+              <a:t>Google calendar</a:t>
+            </a:r>
+          </a:p>
+          <a:p>
+            <a:endParaRPr lang="en-US" altLang="zh-TW" dirty="0"/>
+          </a:p>
+          <a:p>
+            <a:pPr lvl="1"/>
+            <a:endParaRPr lang="zh-TW" altLang="en-US" dirty="0"/>
+          </a:p>
+        </p:txBody>
+      </p:sp>
+    </p:spTree>
+    <p:extLst>
+      <p:ext uri="{BB962C8B-B14F-4D97-AF65-F5344CB8AC3E}">
+        <p14:creationId xmlns:p14="http://schemas.microsoft.com/office/powerpoint/2010/main" val="3068382558"/>
+      </p:ext>
+    </p:extLst>
+  </p:cSld>
+  <p:clrMapOvr>
+    <a:masterClrMapping/>
+  </p:clrMapOvr>
+</p:sld>
+</file>
+
+<file path=ppt/slides/slide7.xml><?xml version="1.0" encoding="utf-8"?>
+<p:sld xmlns:a="http://schemas.openxmlformats.org/drawingml/2006/main" xmlns:r="http://schemas.openxmlformats.org/officeDocument/2006/relationships" xmlns:p="http://schemas.openxmlformats.org/presentationml/2006/main">
+  <p:cSld>
+    <p:spTree>
+      <p:nvGrpSpPr>
+        <p:cNvPr id="1" name=""/>
+        <p:cNvGrpSpPr/>
+        <p:nvPr/>
+      </p:nvGrpSpPr>
+      <p:grpSpPr>
+        <a:xfrm>
+          <a:off x="0" y="0"/>
+          <a:ext cx="0" cy="0"/>
+          <a:chOff x="0" y="0"/>
+          <a:chExt cx="0" cy="0"/>
+        </a:xfrm>
+      </p:grpSpPr>
+      <p:sp>
+        <p:nvSpPr>
+          <p:cNvPr id="2" name="標題 1">
+            <a:extLst>
+              <a:ext uri="{FF2B5EF4-FFF2-40B4-BE49-F238E27FC236}">
+                <a16:creationId xmlns:a16="http://schemas.microsoft.com/office/drawing/2014/main" id="{A9E29E13-78AC-43B4-B1B7-B04542968B55}"/>
+              </a:ext>
+            </a:extLst>
+          </p:cNvPr>
+          <p:cNvSpPr>
+            <a:spLocks noGrp="1"/>
+          </p:cNvSpPr>
+          <p:nvPr>
+            <p:ph type="title"/>
+          </p:nvPr>
+        </p:nvSpPr>
+        <p:spPr/>
+        <p:txBody>
+          <a:bodyPr/>
+          <a:lstStyle/>
+          <a:p>
+            <a:r>
+              <a:rPr lang="en-US" altLang="zh-TW" dirty="0"/>
+              <a:t>How </a:t>
+            </a:r>
+            <a:r>
+              <a:rPr lang="en-US" altLang="zh-TW" dirty="0" err="1"/>
+              <a:t>BookSystem</a:t>
+            </a:r>
+            <a:r>
+              <a:rPr lang="en-US" altLang="zh-TW" dirty="0"/>
+              <a:t> work</a:t>
+            </a:r>
+            <a:endParaRPr lang="zh-TW" altLang="en-US" dirty="0"/>
+          </a:p>
+        </p:txBody>
+      </p:sp>
+      <p:sp>
+        <p:nvSpPr>
+          <p:cNvPr id="3" name="內容版面配置區 2">
+            <a:extLst>
+              <a:ext uri="{FF2B5EF4-FFF2-40B4-BE49-F238E27FC236}">
+                <a16:creationId xmlns:a16="http://schemas.microsoft.com/office/drawing/2014/main" id="{6701B6C6-1322-42DA-A2F7-703A2B86FBE5}"/>
+              </a:ext>
+            </a:extLst>
+          </p:cNvPr>
+          <p:cNvSpPr>
+            <a:spLocks noGrp="1"/>
+          </p:cNvSpPr>
+          <p:nvPr>
+            <p:ph idx="1"/>
+          </p:nvPr>
+        </p:nvSpPr>
+        <p:spPr/>
+        <p:txBody>
+          <a:bodyPr/>
+          <a:lstStyle/>
+          <a:p>
+            <a:r>
+              <a:rPr lang="en-US" altLang="zh-TW" dirty="0"/>
+              <a:t>The user issues an operation request through the UI</a:t>
+            </a:r>
+          </a:p>
+          <a:p>
+            <a:r>
+              <a:rPr lang="en-US" altLang="zh-TW" dirty="0"/>
+              <a:t>The request will be sent to the core subsystem</a:t>
+            </a:r>
+          </a:p>
+          <a:p>
+            <a:r>
+              <a:rPr lang="en-US" altLang="zh-TW" dirty="0"/>
+              <a:t>Then send operation requests to the database and google calendar</a:t>
+            </a:r>
+          </a:p>
+          <a:p>
+            <a:r>
+              <a:rPr lang="en-US" altLang="zh-TW" dirty="0"/>
+              <a:t>Present the feedback results to the UI</a:t>
+            </a:r>
+          </a:p>
+          <a:p>
+            <a:r>
+              <a:rPr lang="en-US" altLang="zh-TW" dirty="0"/>
+              <a:t>If the database is updated by others, the core subsystem will reflect the new state to other subsystems</a:t>
+            </a:r>
+          </a:p>
+          <a:p>
+            <a:pPr lvl="1"/>
+            <a:endParaRPr lang="zh-TW" altLang="en-US" dirty="0"/>
+          </a:p>
+        </p:txBody>
+      </p:sp>
+    </p:spTree>
+    <p:extLst>
+      <p:ext uri="{BB962C8B-B14F-4D97-AF65-F5344CB8AC3E}">
+        <p14:creationId xmlns:p14="http://schemas.microsoft.com/office/powerpoint/2010/main" val="68826168"/>
+      </p:ext>
+    </p:extLst>
+  </p:cSld>
+  <p:clrMapOvr>
+    <a:masterClrMapping/>
+  </p:clrMapOvr>
+</p:sld>
+</file>
+
+<file path=ppt/slides/slide8.xml><?xml version="1.0" encoding="utf-8"?>
+<p:sld xmlns:a="http://schemas.openxmlformats.org/drawingml/2006/main" xmlns:r="http://schemas.openxmlformats.org/officeDocument/2006/relationships" xmlns:p="http://schemas.openxmlformats.org/presentationml/2006/main">
+  <p:cSld>
+    <p:spTree>
+      <p:nvGrpSpPr>
+        <p:cNvPr id="1" name=""/>
+        <p:cNvGrpSpPr/>
+        <p:nvPr/>
+      </p:nvGrpSpPr>
+      <p:grpSpPr>
+        <a:xfrm>
+          <a:off x="0" y="0"/>
+          <a:ext cx="0" cy="0"/>
+          <a:chOff x="0" y="0"/>
+          <a:chExt cx="0" cy="0"/>
+        </a:xfrm>
+      </p:grpSpPr>
+      <p:sp>
+        <p:nvSpPr>
+          <p:cNvPr id="2" name="標題 1">
+            <a:extLst>
+              <a:ext uri="{FF2B5EF4-FFF2-40B4-BE49-F238E27FC236}">
+                <a16:creationId xmlns:a16="http://schemas.microsoft.com/office/drawing/2014/main" id="{7C6F1542-D507-4120-9231-34E6DA04F87B}"/>
+              </a:ext>
+            </a:extLst>
+          </p:cNvPr>
+          <p:cNvSpPr>
+            <a:spLocks noGrp="1"/>
+          </p:cNvSpPr>
+          <p:nvPr>
+            <p:ph type="title"/>
+          </p:nvPr>
+        </p:nvSpPr>
+        <p:spPr/>
+        <p:txBody>
+          <a:bodyPr/>
+          <a:lstStyle/>
+          <a:p>
+            <a:r>
+              <a:rPr lang="en-US" altLang="zh-TW" dirty="0"/>
+              <a:t>How the details are implemented</a:t>
+            </a:r>
+            <a:endParaRPr lang="zh-TW" altLang="en-US" dirty="0"/>
+          </a:p>
+        </p:txBody>
+      </p:sp>
+      <p:sp>
+        <p:nvSpPr>
+          <p:cNvPr id="3" name="內容版面配置區 2">
+            <a:extLst>
+              <a:ext uri="{FF2B5EF4-FFF2-40B4-BE49-F238E27FC236}">
+                <a16:creationId xmlns:a16="http://schemas.microsoft.com/office/drawing/2014/main" id="{AC938E96-908D-404B-8EF3-CD9393C9D66C}"/>
+              </a:ext>
+            </a:extLst>
+          </p:cNvPr>
+          <p:cNvSpPr>
+            <a:spLocks noGrp="1"/>
+          </p:cNvSpPr>
+          <p:nvPr>
+            <p:ph idx="1"/>
+          </p:nvPr>
+        </p:nvSpPr>
+        <p:spPr/>
+        <p:txBody>
+          <a:bodyPr/>
+          <a:lstStyle/>
+          <a:p>
+            <a:r>
+              <a:rPr lang="en-US" altLang="zh-TW" dirty="0"/>
+              <a:t>When a new meeting is being added</a:t>
+            </a:r>
+            <a:r>
+              <a:rPr lang="zh-TW" altLang="en-US" dirty="0"/>
+              <a:t> </a:t>
+            </a:r>
+            <a:r>
+              <a:rPr lang="en-US" altLang="zh-TW" dirty="0"/>
+              <a:t>:</a:t>
+            </a:r>
+          </a:p>
+          <a:p>
+            <a:pPr lvl="1"/>
+            <a:r>
+              <a:rPr lang="en-US" altLang="zh-TW" dirty="0"/>
+              <a:t>Check if time conflicts with other meetings in the same room</a:t>
+            </a:r>
+          </a:p>
+          <a:p>
+            <a:pPr lvl="1"/>
+            <a:r>
+              <a:rPr lang="en-US" altLang="zh-TW" dirty="0"/>
+              <a:t>Check if any of the attendees have other meetings during the time slot</a:t>
+            </a:r>
+          </a:p>
+          <a:p>
+            <a:pPr marL="0" indent="0">
+              <a:buNone/>
+            </a:pPr>
+            <a:endParaRPr lang="zh-TW" altLang="en-US" dirty="0"/>
+          </a:p>
+        </p:txBody>
+      </p:sp>
+    </p:spTree>
+    <p:extLst>
+      <p:ext uri="{BB962C8B-B14F-4D97-AF65-F5344CB8AC3E}">
+        <p14:creationId xmlns:p14="http://schemas.microsoft.com/office/powerpoint/2010/main" val="4109340829"/>
+      </p:ext>
+    </p:extLst>
+  </p:cSld>
+  <p:clrMapOvr>
+    <a:masterClrMapping/>
+  </p:clrMapOvr>
+</p:sld>
+</file>
+
+<file path=ppt/slides/slide9.xml><?xml version="1.0" encoding="utf-8"?>
+<p:sld xmlns:a="http://schemas.openxmlformats.org/drawingml/2006/main" xmlns:r="http://schemas.openxmlformats.org/officeDocument/2006/relationships" xmlns:p="http://schemas.openxmlformats.org/presentationml/2006/main">
+  <p:cSld>
+    <p:spTree>
+      <p:nvGrpSpPr>
+        <p:cNvPr id="1" name=""/>
+        <p:cNvGrpSpPr/>
+        <p:nvPr/>
+      </p:nvGrpSpPr>
+      <p:grpSpPr>
+        <a:xfrm>
+          <a:off x="0" y="0"/>
+          <a:ext cx="0" cy="0"/>
+          <a:chOff x="0" y="0"/>
+          <a:chExt cx="0" cy="0"/>
+        </a:xfrm>
+      </p:grpSpPr>
+      <p:sp>
+        <p:nvSpPr>
+          <p:cNvPr id="2" name="標題 1">
+            <a:extLst>
+              <a:ext uri="{FF2B5EF4-FFF2-40B4-BE49-F238E27FC236}">
+                <a16:creationId xmlns:a16="http://schemas.microsoft.com/office/drawing/2014/main" id="{7C6F1542-D507-4120-9231-34E6DA04F87B}"/>
+              </a:ext>
+            </a:extLst>
+          </p:cNvPr>
+          <p:cNvSpPr>
+            <a:spLocks noGrp="1"/>
+          </p:cNvSpPr>
+          <p:nvPr>
+            <p:ph type="title"/>
+          </p:nvPr>
+        </p:nvSpPr>
+        <p:spPr/>
+        <p:txBody>
+          <a:bodyPr/>
+          <a:lstStyle/>
+          <a:p>
+            <a:r>
+              <a:rPr lang="en-US" altLang="zh-TW" dirty="0"/>
+              <a:t>How the details are implemented</a:t>
+            </a:r>
+            <a:endParaRPr lang="zh-TW" altLang="en-US" dirty="0"/>
+          </a:p>
+        </p:txBody>
+      </p:sp>
+      <p:sp>
+        <p:nvSpPr>
+          <p:cNvPr id="3" name="內容版面配置區 2">
+            <a:extLst>
+              <a:ext uri="{FF2B5EF4-FFF2-40B4-BE49-F238E27FC236}">
+                <a16:creationId xmlns:a16="http://schemas.microsoft.com/office/drawing/2014/main" id="{AC938E96-908D-404B-8EF3-CD9393C9D66C}"/>
+              </a:ext>
+            </a:extLst>
+          </p:cNvPr>
+          <p:cNvSpPr>
+            <a:spLocks noGrp="1"/>
+          </p:cNvSpPr>
+          <p:nvPr>
+            <p:ph idx="1"/>
+          </p:nvPr>
+        </p:nvSpPr>
+        <p:spPr/>
+        <p:txBody>
+          <a:bodyPr/>
+          <a:lstStyle/>
+          <a:p>
+            <a:r>
+              <a:rPr lang="en-US" altLang="zh-TW" dirty="0"/>
+              <a:t>When a new meeting is </a:t>
+            </a:r>
+            <a:r>
+              <a:rPr lang="en-US" altLang="zh-TW" dirty="0">
+                <a:solidFill>
+                  <a:srgbClr val="C00000"/>
+                </a:solidFill>
+              </a:rPr>
+              <a:t>successfully</a:t>
+            </a:r>
+            <a:r>
+              <a:rPr lang="en-US" altLang="zh-TW" dirty="0"/>
+              <a:t> added</a:t>
+            </a:r>
+            <a:r>
+              <a:rPr lang="zh-TW" altLang="en-US" dirty="0"/>
+              <a:t> </a:t>
+            </a:r>
+            <a:r>
+              <a:rPr lang="en-US" altLang="zh-TW" dirty="0"/>
+              <a:t>:</a:t>
+            </a:r>
+          </a:p>
+          <a:p>
+            <a:pPr lvl="1"/>
+            <a:r>
+              <a:rPr lang="en-US" altLang="zh-TW" dirty="0"/>
+              <a:t>Add meeting to attendees using google calendar </a:t>
+            </a:r>
+            <a:r>
+              <a:rPr lang="en-US" altLang="zh-TW" dirty="0" err="1"/>
+              <a:t>api</a:t>
+            </a:r>
+            <a:endParaRPr lang="en-US" altLang="zh-TW" dirty="0"/>
+          </a:p>
+          <a:p>
+            <a:pPr lvl="1"/>
+            <a:r>
+              <a:rPr lang="en-US" altLang="zh-TW" dirty="0"/>
+              <a:t>Google calendar will send email reminders before meetings</a:t>
+            </a:r>
+          </a:p>
+          <a:p>
+            <a:pPr lvl="1"/>
+            <a:r>
+              <a:rPr lang="en-US" altLang="zh-TW" dirty="0"/>
+              <a:t>Store new meeting to database</a:t>
+            </a:r>
+          </a:p>
+          <a:p>
+            <a:pPr lvl="1"/>
+            <a:r>
+              <a:rPr lang="en-US" altLang="zh-TW" dirty="0"/>
+              <a:t>Join a new meeting on the timeline</a:t>
+            </a:r>
+          </a:p>
+          <a:p>
+            <a:endParaRPr lang="zh-TW" altLang="en-US" dirty="0"/>
+          </a:p>
+        </p:txBody>
+      </p:sp>
+    </p:spTree>
+    <p:extLst>
+      <p:ext uri="{BB962C8B-B14F-4D97-AF65-F5344CB8AC3E}">
+        <p14:creationId xmlns:p14="http://schemas.microsoft.com/office/powerpoint/2010/main" val="3743888269"/>
       </p:ext>
     </p:extLst>
   </p:cSld>
